--- a/tcp_ip_socket/Python_7_Networks.pptx
+++ b/tcp_ip_socket/Python_7_Networks.pptx
@@ -256,7 +256,7 @@
             <a:fld id="{EA9F7FF7-50CD-D74F-8521-E72DB68B670C}" type="datetimeFigureOut">
               <a:rPr lang="en-US" smtClean="0"/>
               <a:pPr/>
-              <a:t>2/3/21</a:t>
+              <a:t>5/21/21</a:t>
             </a:fld>
             <a:endParaRPr lang="en-US"/>
           </a:p>
@@ -424,7 +424,7 @@
             <a:fld id="{9DD1DD9B-E140-4D76-B427-DF4838D859EA}" type="datetimeFigureOut">
               <a:rPr lang="en-US" smtClean="0"/>
               <a:pPr/>
-              <a:t>2/3/21</a:t>
+              <a:t>5/21/21</a:t>
             </a:fld>
             <a:endParaRPr lang="en-US"/>
           </a:p>
@@ -9466,6 +9466,16 @@
               <a:rPr lang="en-US" dirty="0"/>
               <a:t> socket</a:t>
             </a:r>
+            <a:br>
+              <a:rPr lang="ru-RU" dirty="0"/>
+            </a:br>
+            <a:br>
+              <a:rPr lang="ru-RU" dirty="0"/>
+            </a:br>
+            <a:r>
+              <a:rPr lang="en-US" dirty="0"/>
+              <a:t>ICMP == raw sockets</a:t>
+            </a:r>
           </a:p>
         </p:txBody>
       </p:sp>
@@ -10630,7 +10640,7 @@
         </p:nvSpPr>
         <p:spPr bwMode="auto">
           <a:xfrm>
-            <a:off x="5257800" y="742950"/>
+            <a:off x="4953000" y="1035850"/>
             <a:ext cx="3810000" cy="3108543"/>
           </a:xfrm>
           <a:prstGeom prst="rect">
